--- a/images/theory_analysis/Kubernetes_NodeLocal_DNSCache/Kubernetes_NodeLocal_DNSCache.pptx
+++ b/images/theory_analysis/Kubernetes_NodeLocal_DNSCache/Kubernetes_NodeLocal_DNSCache.pptx
@@ -5,10 +5,11 @@
     <p:sldMasterId id="2147483648" r:id="rId1"/>
   </p:sldMasterIdLst>
   <p:notesMasterIdLst>
-    <p:notesMasterId r:id="rId3"/>
+    <p:notesMasterId r:id="rId4"/>
   </p:notesMasterIdLst>
   <p:sldIdLst>
-    <p:sldId id="428" r:id="rId2"/>
+    <p:sldId id="430" r:id="rId2"/>
+    <p:sldId id="429" r:id="rId3"/>
   </p:sldIdLst>
   <p:sldSz cx="9144000" cy="5143500" type="screen16x9"/>
   <p:notesSz cx="6858000" cy="9144000"/>
@@ -213,7 +214,7 @@
           <a:p>
             <a:fld id="{6CD5550B-26C4-49A9-A5BA-636EF7BE6CE9}" type="datetimeFigureOut">
               <a:rPr lang="ko-KR" altLang="en-US" smtClean="0"/>
-              <a:t>2020-12-12</a:t>
+              <a:t>2020-12-13</a:t>
             </a:fld>
             <a:endParaRPr lang="ko-KR" altLang="en-US"/>
           </a:p>
@@ -659,7 +660,7 @@
           <a:p>
             <a:fld id="{FB30EDBD-1C2D-4C1E-B459-B60219FAB484}" type="datetimeFigureOut">
               <a:rPr lang="ko-KR" altLang="en-US" smtClean="0"/>
-              <a:t>2020-12-12</a:t>
+              <a:t>2020-12-13</a:t>
             </a:fld>
             <a:endParaRPr lang="ko-KR" altLang="en-US"/>
           </a:p>
@@ -822,7 +823,7 @@
           <a:p>
             <a:fld id="{FB30EDBD-1C2D-4C1E-B459-B60219FAB484}" type="datetimeFigureOut">
               <a:rPr lang="ko-KR" altLang="en-US" smtClean="0"/>
-              <a:t>2020-12-12</a:t>
+              <a:t>2020-12-13</a:t>
             </a:fld>
             <a:endParaRPr lang="ko-KR" altLang="en-US"/>
           </a:p>
@@ -995,7 +996,7 @@
           <a:p>
             <a:fld id="{FB30EDBD-1C2D-4C1E-B459-B60219FAB484}" type="datetimeFigureOut">
               <a:rPr lang="ko-KR" altLang="en-US" smtClean="0"/>
-              <a:t>2020-12-12</a:t>
+              <a:t>2020-12-13</a:t>
             </a:fld>
             <a:endParaRPr lang="ko-KR" altLang="en-US"/>
           </a:p>
@@ -1158,7 +1159,7 @@
           <a:p>
             <a:fld id="{FB30EDBD-1C2D-4C1E-B459-B60219FAB484}" type="datetimeFigureOut">
               <a:rPr lang="ko-KR" altLang="en-US" smtClean="0"/>
-              <a:t>2020-12-12</a:t>
+              <a:t>2020-12-13</a:t>
             </a:fld>
             <a:endParaRPr lang="ko-KR" altLang="en-US"/>
           </a:p>
@@ -1398,7 +1399,7 @@
           <a:p>
             <a:fld id="{FB30EDBD-1C2D-4C1E-B459-B60219FAB484}" type="datetimeFigureOut">
               <a:rPr lang="ko-KR" altLang="en-US" smtClean="0"/>
-              <a:t>2020-12-12</a:t>
+              <a:t>2020-12-13</a:t>
             </a:fld>
             <a:endParaRPr lang="ko-KR" altLang="en-US"/>
           </a:p>
@@ -1678,7 +1679,7 @@
           <a:p>
             <a:fld id="{FB30EDBD-1C2D-4C1E-B459-B60219FAB484}" type="datetimeFigureOut">
               <a:rPr lang="ko-KR" altLang="en-US" smtClean="0"/>
-              <a:t>2020-12-12</a:t>
+              <a:t>2020-12-13</a:t>
             </a:fld>
             <a:endParaRPr lang="ko-KR" altLang="en-US"/>
           </a:p>
@@ -2092,7 +2093,7 @@
           <a:p>
             <a:fld id="{FB30EDBD-1C2D-4C1E-B459-B60219FAB484}" type="datetimeFigureOut">
               <a:rPr lang="ko-KR" altLang="en-US" smtClean="0"/>
-              <a:t>2020-12-12</a:t>
+              <a:t>2020-12-13</a:t>
             </a:fld>
             <a:endParaRPr lang="ko-KR" altLang="en-US"/>
           </a:p>
@@ -2204,7 +2205,7 @@
           <a:p>
             <a:fld id="{FB30EDBD-1C2D-4C1E-B459-B60219FAB484}" type="datetimeFigureOut">
               <a:rPr lang="ko-KR" altLang="en-US" smtClean="0"/>
-              <a:t>2020-12-12</a:t>
+              <a:t>2020-12-13</a:t>
             </a:fld>
             <a:endParaRPr lang="ko-KR" altLang="en-US"/>
           </a:p>
@@ -2294,7 +2295,7 @@
           <a:p>
             <a:fld id="{FB30EDBD-1C2D-4C1E-B459-B60219FAB484}" type="datetimeFigureOut">
               <a:rPr lang="ko-KR" altLang="en-US" smtClean="0"/>
-              <a:t>2020-12-12</a:t>
+              <a:t>2020-12-13</a:t>
             </a:fld>
             <a:endParaRPr lang="ko-KR" altLang="en-US"/>
           </a:p>
@@ -2564,7 +2565,7 @@
           <a:p>
             <a:fld id="{FB30EDBD-1C2D-4C1E-B459-B60219FAB484}" type="datetimeFigureOut">
               <a:rPr lang="ko-KR" altLang="en-US" smtClean="0"/>
-              <a:t>2020-12-12</a:t>
+              <a:t>2020-12-13</a:t>
             </a:fld>
             <a:endParaRPr lang="ko-KR" altLang="en-US"/>
           </a:p>
@@ -2811,7 +2812,7 @@
           <a:p>
             <a:fld id="{FB30EDBD-1C2D-4C1E-B459-B60219FAB484}" type="datetimeFigureOut">
               <a:rPr lang="ko-KR" altLang="en-US" smtClean="0"/>
-              <a:t>2020-12-12</a:t>
+              <a:t>2020-12-13</a:t>
             </a:fld>
             <a:endParaRPr lang="ko-KR" altLang="en-US"/>
           </a:p>
@@ -3017,7 +3018,7 @@
           <a:p>
             <a:fld id="{FB30EDBD-1C2D-4C1E-B459-B60219FAB484}" type="datetimeFigureOut">
               <a:rPr lang="ko-KR" altLang="en-US" smtClean="0"/>
-              <a:t>2020-12-12</a:t>
+              <a:t>2020-12-13</a:t>
             </a:fld>
             <a:endParaRPr lang="ko-KR" altLang="en-US"/>
           </a:p>
@@ -3616,6 +3617,1935 @@
             <a:pPr algn="ctr"/>
             <a:r>
               <a:rPr lang="en-US" altLang="ko-KR" sz="1100"/>
+              <a:t>10.96.0.10 / 169.254.20.10</a:t>
+            </a:r>
+          </a:p>
+          <a:p>
+            <a:pPr algn="ctr"/>
+            <a:r>
+              <a:rPr lang="en-US" altLang="ko-KR" sz="1100" b="1"/>
+              <a:t>NodeLocal DNSCache Pod</a:t>
+            </a:r>
+          </a:p>
+          <a:p>
+            <a:pPr algn="ctr"/>
+            <a:r>
+              <a:rPr lang="en-US" altLang="ko-KR" sz="1100"/>
+              <a:t>/ DaemonSet, Host Net NS</a:t>
+            </a:r>
+          </a:p>
+        </p:txBody>
+      </p:sp>
+      <p:sp>
+        <p:nvSpPr>
+          <p:cNvPr id="46" name="사각형: 둥근 모서리 45">
+            <a:extLst>
+              <a:ext uri="{FF2B5EF4-FFF2-40B4-BE49-F238E27FC236}">
+                <a16:creationId xmlns:a16="http://schemas.microsoft.com/office/drawing/2014/main" id="{D1B5C814-D41C-4518-8E41-C08FC6E178C4}"/>
+              </a:ext>
+            </a:extLst>
+          </p:cNvPr>
+          <p:cNvSpPr/>
+          <p:nvPr/>
+        </p:nvSpPr>
+        <p:spPr>
+          <a:xfrm>
+            <a:off x="1080923" y="2533937"/>
+            <a:ext cx="1872868" cy="253835"/>
+          </a:xfrm>
+          <a:prstGeom prst="roundRect">
+            <a:avLst>
+              <a:gd name="adj" fmla="val 18699"/>
+            </a:avLst>
+          </a:prstGeom>
+          <a:ln>
+            <a:solidFill>
+              <a:schemeClr val="tx1"/>
+            </a:solidFill>
+          </a:ln>
+        </p:spPr>
+        <p:style>
+          <a:lnRef idx="2">
+            <a:schemeClr val="dk1"/>
+          </a:lnRef>
+          <a:fillRef idx="1">
+            <a:schemeClr val="lt1"/>
+          </a:fillRef>
+          <a:effectRef idx="0">
+            <a:schemeClr val="dk1"/>
+          </a:effectRef>
+          <a:fontRef idx="minor">
+            <a:schemeClr val="dk1"/>
+          </a:fontRef>
+        </p:style>
+        <p:txBody>
+          <a:bodyPr rtlCol="0" anchor="ctr"/>
+          <a:lstStyle/>
+          <a:p>
+            <a:pPr algn="ctr"/>
+            <a:r>
+              <a:rPr lang="en-US" altLang="ko-KR" sz="1050"/>
+              <a:t>Cache CoreDNS</a:t>
+            </a:r>
+            <a:endParaRPr lang="ko-KR" altLang="en-US" sz="1050"/>
+          </a:p>
+        </p:txBody>
+      </p:sp>
+      <p:sp>
+        <p:nvSpPr>
+          <p:cNvPr id="50" name="사각형: 둥근 모서리 49">
+            <a:extLst>
+              <a:ext uri="{FF2B5EF4-FFF2-40B4-BE49-F238E27FC236}">
+                <a16:creationId xmlns:a16="http://schemas.microsoft.com/office/drawing/2014/main" id="{2F046B8A-B6DF-4173-A20F-DA2B5E622166}"/>
+              </a:ext>
+            </a:extLst>
+          </p:cNvPr>
+          <p:cNvSpPr/>
+          <p:nvPr/>
+        </p:nvSpPr>
+        <p:spPr>
+          <a:xfrm>
+            <a:off x="1080923" y="2787772"/>
+            <a:ext cx="1872868" cy="685884"/>
+          </a:xfrm>
+          <a:prstGeom prst="roundRect">
+            <a:avLst>
+              <a:gd name="adj" fmla="val 8689"/>
+            </a:avLst>
+          </a:prstGeom>
+          <a:ln>
+            <a:solidFill>
+              <a:schemeClr val="tx1"/>
+            </a:solidFill>
+          </a:ln>
+        </p:spPr>
+        <p:style>
+          <a:lnRef idx="2">
+            <a:schemeClr val="dk1"/>
+          </a:lnRef>
+          <a:fillRef idx="1">
+            <a:schemeClr val="lt1"/>
+          </a:fillRef>
+          <a:effectRef idx="0">
+            <a:schemeClr val="dk1"/>
+          </a:effectRef>
+          <a:fontRef idx="minor">
+            <a:schemeClr val="dk1"/>
+          </a:fontRef>
+        </p:style>
+        <p:txBody>
+          <a:bodyPr rtlCol="0" anchor="b"/>
+          <a:lstStyle/>
+          <a:p>
+            <a:pPr algn="ctr"/>
+            <a:r>
+              <a:rPr lang="en-US" altLang="ko-KR" sz="1050"/>
+              <a:t>CoreDNS Config</a:t>
+            </a:r>
+            <a:endParaRPr lang="ko-KR" altLang="en-US" sz="1050"/>
+          </a:p>
+        </p:txBody>
+      </p:sp>
+      <p:sp>
+        <p:nvSpPr>
+          <p:cNvPr id="49" name="사각형: 둥근 모서리 48">
+            <a:extLst>
+              <a:ext uri="{FF2B5EF4-FFF2-40B4-BE49-F238E27FC236}">
+                <a16:creationId xmlns:a16="http://schemas.microsoft.com/office/drawing/2014/main" id="{EB1C0069-6A2E-47EF-A5A4-34E38DA7004C}"/>
+              </a:ext>
+            </a:extLst>
+          </p:cNvPr>
+          <p:cNvSpPr/>
+          <p:nvPr/>
+        </p:nvSpPr>
+        <p:spPr>
+          <a:xfrm>
+            <a:off x="1152930" y="2859781"/>
+            <a:ext cx="1728854" cy="360040"/>
+          </a:xfrm>
+          <a:prstGeom prst="roundRect">
+            <a:avLst>
+              <a:gd name="adj" fmla="val 17376"/>
+            </a:avLst>
+          </a:prstGeom>
+          <a:ln>
+            <a:solidFill>
+              <a:schemeClr val="tx1"/>
+            </a:solidFill>
+          </a:ln>
+        </p:spPr>
+        <p:style>
+          <a:lnRef idx="2">
+            <a:schemeClr val="dk1"/>
+          </a:lnRef>
+          <a:fillRef idx="1">
+            <a:schemeClr val="lt1"/>
+          </a:fillRef>
+          <a:effectRef idx="0">
+            <a:schemeClr val="dk1"/>
+          </a:effectRef>
+          <a:fontRef idx="minor">
+            <a:schemeClr val="dk1"/>
+          </a:fontRef>
+        </p:style>
+        <p:txBody>
+          <a:bodyPr rtlCol="0" anchor="ctr"/>
+          <a:lstStyle/>
+          <a:p>
+            <a:pPr algn="just"/>
+            <a:r>
+              <a:rPr lang="en-US" altLang="ko-KR" sz="1050"/>
+              <a:t>cluster.local : 10.96.0.10</a:t>
+            </a:r>
+          </a:p>
+          <a:p>
+            <a:pPr algn="just"/>
+            <a:r>
+              <a:rPr lang="en-US" altLang="ko-KR" sz="1050"/>
+              <a:t>else : 8.8.8.8</a:t>
+            </a:r>
+          </a:p>
+        </p:txBody>
+      </p:sp>
+      <p:sp>
+        <p:nvSpPr>
+          <p:cNvPr id="51" name="사각형: 둥근 모서리 50">
+            <a:extLst>
+              <a:ext uri="{FF2B5EF4-FFF2-40B4-BE49-F238E27FC236}">
+                <a16:creationId xmlns:a16="http://schemas.microsoft.com/office/drawing/2014/main" id="{2743CF05-94E0-4B04-964C-5B74047CAD7F}"/>
+              </a:ext>
+            </a:extLst>
+          </p:cNvPr>
+          <p:cNvSpPr/>
+          <p:nvPr/>
+        </p:nvSpPr>
+        <p:spPr>
+          <a:xfrm>
+            <a:off x="3330604" y="1923676"/>
+            <a:ext cx="2304256" cy="2448273"/>
+          </a:xfrm>
+          <a:prstGeom prst="roundRect">
+            <a:avLst>
+              <a:gd name="adj" fmla="val 2767"/>
+            </a:avLst>
+          </a:prstGeom>
+        </p:spPr>
+        <p:style>
+          <a:lnRef idx="2">
+            <a:schemeClr val="dk1"/>
+          </a:lnRef>
+          <a:fillRef idx="1">
+            <a:schemeClr val="lt1"/>
+          </a:fillRef>
+          <a:effectRef idx="0">
+            <a:schemeClr val="dk1"/>
+          </a:effectRef>
+          <a:fontRef idx="minor">
+            <a:schemeClr val="dk1"/>
+          </a:fontRef>
+        </p:style>
+        <p:txBody>
+          <a:bodyPr rtlCol="0" anchor="b"/>
+          <a:lstStyle/>
+          <a:p>
+            <a:pPr algn="ctr"/>
+            <a:r>
+              <a:rPr lang="en-US" altLang="ko-KR" sz="1200" b="1"/>
+              <a:t>Worker</a:t>
+            </a:r>
+            <a:r>
+              <a:rPr lang="ko-KR" altLang="en-US" sz="1200" b="1"/>
+              <a:t> </a:t>
+            </a:r>
+            <a:r>
+              <a:rPr lang="en-US" altLang="ko-KR" sz="1200" b="1"/>
+              <a:t>Node</a:t>
+            </a:r>
+            <a:endParaRPr lang="ko-KR" altLang="en-US" sz="1200" b="1"/>
+          </a:p>
+        </p:txBody>
+      </p:sp>
+      <p:sp>
+        <p:nvSpPr>
+          <p:cNvPr id="57" name="사각형: 둥근 모서리 56">
+            <a:extLst>
+              <a:ext uri="{FF2B5EF4-FFF2-40B4-BE49-F238E27FC236}">
+                <a16:creationId xmlns:a16="http://schemas.microsoft.com/office/drawing/2014/main" id="{7B95DC33-DA54-44E4-B58B-23DDE49E8745}"/>
+              </a:ext>
+            </a:extLst>
+          </p:cNvPr>
+          <p:cNvSpPr/>
+          <p:nvPr/>
+        </p:nvSpPr>
+        <p:spPr>
+          <a:xfrm>
+            <a:off x="3399580" y="2465263"/>
+            <a:ext cx="2165644" cy="1603329"/>
+          </a:xfrm>
+          <a:prstGeom prst="roundRect">
+            <a:avLst>
+              <a:gd name="adj" fmla="val 3417"/>
+            </a:avLst>
+          </a:prstGeom>
+          <a:ln>
+            <a:solidFill>
+              <a:schemeClr val="tx1"/>
+            </a:solidFill>
+          </a:ln>
+        </p:spPr>
+        <p:style>
+          <a:lnRef idx="2">
+            <a:schemeClr val="dk1"/>
+          </a:lnRef>
+          <a:fillRef idx="1">
+            <a:schemeClr val="lt1"/>
+          </a:fillRef>
+          <a:effectRef idx="0">
+            <a:schemeClr val="dk1"/>
+          </a:effectRef>
+          <a:fontRef idx="minor">
+            <a:schemeClr val="dk1"/>
+          </a:fontRef>
+        </p:style>
+        <p:txBody>
+          <a:bodyPr rtlCol="0" anchor="b"/>
+          <a:lstStyle/>
+          <a:p>
+            <a:pPr algn="ctr"/>
+            <a:r>
+              <a:rPr lang="en-US" altLang="ko-KR" sz="1100"/>
+              <a:t>10.96.0.10 / 169.254.20.10</a:t>
+            </a:r>
+          </a:p>
+          <a:p>
+            <a:pPr algn="ctr"/>
+            <a:r>
+              <a:rPr lang="en-US" altLang="ko-KR" sz="1100" b="1"/>
+              <a:t>NodeLocal DNSCache Pod</a:t>
+            </a:r>
+          </a:p>
+          <a:p>
+            <a:pPr algn="ctr"/>
+            <a:r>
+              <a:rPr lang="en-US" altLang="ko-KR" sz="1100"/>
+              <a:t>/ DaemonSet, Host Net NS</a:t>
+            </a:r>
+          </a:p>
+        </p:txBody>
+      </p:sp>
+      <p:sp>
+        <p:nvSpPr>
+          <p:cNvPr id="72" name="사각형: 둥근 모서리 71">
+            <a:extLst>
+              <a:ext uri="{FF2B5EF4-FFF2-40B4-BE49-F238E27FC236}">
+                <a16:creationId xmlns:a16="http://schemas.microsoft.com/office/drawing/2014/main" id="{6B30D1BF-4912-4D83-8C72-2269ECB5E35C}"/>
+              </a:ext>
+            </a:extLst>
+          </p:cNvPr>
+          <p:cNvSpPr/>
+          <p:nvPr/>
+        </p:nvSpPr>
+        <p:spPr>
+          <a:xfrm>
+            <a:off x="1369615" y="1995685"/>
+            <a:ext cx="1295484" cy="305163"/>
+          </a:xfrm>
+          <a:prstGeom prst="roundRect">
+            <a:avLst>
+              <a:gd name="adj" fmla="val 9318"/>
+            </a:avLst>
+          </a:prstGeom>
+          <a:ln>
+            <a:solidFill>
+              <a:schemeClr val="tx1"/>
+            </a:solidFill>
+          </a:ln>
+        </p:spPr>
+        <p:style>
+          <a:lnRef idx="2">
+            <a:schemeClr val="dk1"/>
+          </a:lnRef>
+          <a:fillRef idx="1">
+            <a:schemeClr val="lt1"/>
+          </a:fillRef>
+          <a:effectRef idx="0">
+            <a:schemeClr val="dk1"/>
+          </a:effectRef>
+          <a:fontRef idx="minor">
+            <a:schemeClr val="dk1"/>
+          </a:fontRef>
+        </p:style>
+        <p:txBody>
+          <a:bodyPr rtlCol="0" anchor="ctr"/>
+          <a:lstStyle/>
+          <a:p>
+            <a:pPr algn="ctr"/>
+            <a:r>
+              <a:rPr lang="en-US" altLang="ko-KR" sz="1050"/>
+              <a:t>K8s</a:t>
+            </a:r>
+            <a:r>
+              <a:rPr lang="en-US" altLang="ko-KR" sz="1200"/>
+              <a:t> API Server</a:t>
+            </a:r>
+          </a:p>
+        </p:txBody>
+      </p:sp>
+      <p:sp>
+        <p:nvSpPr>
+          <p:cNvPr id="92" name="사각형: 둥근 모서리 91">
+            <a:extLst>
+              <a:ext uri="{FF2B5EF4-FFF2-40B4-BE49-F238E27FC236}">
+                <a16:creationId xmlns:a16="http://schemas.microsoft.com/office/drawing/2014/main" id="{1E88037B-DBB1-4987-B485-5ED005F85707}"/>
+              </a:ext>
+            </a:extLst>
+          </p:cNvPr>
+          <p:cNvSpPr/>
+          <p:nvPr/>
+        </p:nvSpPr>
+        <p:spPr>
+          <a:xfrm>
+            <a:off x="3545968" y="2533937"/>
+            <a:ext cx="1872868" cy="253835"/>
+          </a:xfrm>
+          <a:prstGeom prst="roundRect">
+            <a:avLst>
+              <a:gd name="adj" fmla="val 18699"/>
+            </a:avLst>
+          </a:prstGeom>
+          <a:ln>
+            <a:solidFill>
+              <a:schemeClr val="tx1"/>
+            </a:solidFill>
+          </a:ln>
+        </p:spPr>
+        <p:style>
+          <a:lnRef idx="2">
+            <a:schemeClr val="dk1"/>
+          </a:lnRef>
+          <a:fillRef idx="1">
+            <a:schemeClr val="lt1"/>
+          </a:fillRef>
+          <a:effectRef idx="0">
+            <a:schemeClr val="dk1"/>
+          </a:effectRef>
+          <a:fontRef idx="minor">
+            <a:schemeClr val="dk1"/>
+          </a:fontRef>
+        </p:style>
+        <p:txBody>
+          <a:bodyPr rtlCol="0" anchor="ctr"/>
+          <a:lstStyle/>
+          <a:p>
+            <a:pPr algn="ctr"/>
+            <a:r>
+              <a:rPr lang="en-US" altLang="ko-KR" sz="1050"/>
+              <a:t>Cache CoreDNS</a:t>
+            </a:r>
+            <a:endParaRPr lang="ko-KR" altLang="en-US" sz="1050"/>
+          </a:p>
+        </p:txBody>
+      </p:sp>
+      <p:sp>
+        <p:nvSpPr>
+          <p:cNvPr id="93" name="사각형: 둥근 모서리 92">
+            <a:extLst>
+              <a:ext uri="{FF2B5EF4-FFF2-40B4-BE49-F238E27FC236}">
+                <a16:creationId xmlns:a16="http://schemas.microsoft.com/office/drawing/2014/main" id="{8B09C47D-1594-4D85-8EB7-5105DDA914CF}"/>
+              </a:ext>
+            </a:extLst>
+          </p:cNvPr>
+          <p:cNvSpPr/>
+          <p:nvPr/>
+        </p:nvSpPr>
+        <p:spPr>
+          <a:xfrm>
+            <a:off x="3545968" y="2787772"/>
+            <a:ext cx="1872868" cy="685884"/>
+          </a:xfrm>
+          <a:prstGeom prst="roundRect">
+            <a:avLst>
+              <a:gd name="adj" fmla="val 8689"/>
+            </a:avLst>
+          </a:prstGeom>
+          <a:ln>
+            <a:solidFill>
+              <a:schemeClr val="tx1"/>
+            </a:solidFill>
+          </a:ln>
+        </p:spPr>
+        <p:style>
+          <a:lnRef idx="2">
+            <a:schemeClr val="dk1"/>
+          </a:lnRef>
+          <a:fillRef idx="1">
+            <a:schemeClr val="lt1"/>
+          </a:fillRef>
+          <a:effectRef idx="0">
+            <a:schemeClr val="dk1"/>
+          </a:effectRef>
+          <a:fontRef idx="minor">
+            <a:schemeClr val="dk1"/>
+          </a:fontRef>
+        </p:style>
+        <p:txBody>
+          <a:bodyPr rtlCol="0" anchor="b"/>
+          <a:lstStyle/>
+          <a:p>
+            <a:pPr algn="ctr"/>
+            <a:r>
+              <a:rPr lang="en-US" altLang="ko-KR" sz="1050"/>
+              <a:t>CoreDNS Config</a:t>
+            </a:r>
+            <a:endParaRPr lang="ko-KR" altLang="en-US" sz="1050"/>
+          </a:p>
+        </p:txBody>
+      </p:sp>
+      <p:sp>
+        <p:nvSpPr>
+          <p:cNvPr id="94" name="사각형: 둥근 모서리 93">
+            <a:extLst>
+              <a:ext uri="{FF2B5EF4-FFF2-40B4-BE49-F238E27FC236}">
+                <a16:creationId xmlns:a16="http://schemas.microsoft.com/office/drawing/2014/main" id="{0DF41476-1AC2-46D9-B5FA-FE201E9A77DD}"/>
+              </a:ext>
+            </a:extLst>
+          </p:cNvPr>
+          <p:cNvSpPr/>
+          <p:nvPr/>
+        </p:nvSpPr>
+        <p:spPr>
+          <a:xfrm>
+            <a:off x="3617975" y="2859781"/>
+            <a:ext cx="1728854" cy="360040"/>
+          </a:xfrm>
+          <a:prstGeom prst="roundRect">
+            <a:avLst>
+              <a:gd name="adj" fmla="val 17376"/>
+            </a:avLst>
+          </a:prstGeom>
+          <a:ln>
+            <a:solidFill>
+              <a:schemeClr val="tx1"/>
+            </a:solidFill>
+          </a:ln>
+        </p:spPr>
+        <p:style>
+          <a:lnRef idx="2">
+            <a:schemeClr val="dk1"/>
+          </a:lnRef>
+          <a:fillRef idx="1">
+            <a:schemeClr val="lt1"/>
+          </a:fillRef>
+          <a:effectRef idx="0">
+            <a:schemeClr val="dk1"/>
+          </a:effectRef>
+          <a:fontRef idx="minor">
+            <a:schemeClr val="dk1"/>
+          </a:fontRef>
+        </p:style>
+        <p:txBody>
+          <a:bodyPr rtlCol="0" anchor="ctr"/>
+          <a:lstStyle/>
+          <a:p>
+            <a:pPr algn="just"/>
+            <a:r>
+              <a:rPr lang="en-US" altLang="ko-KR" sz="1050"/>
+              <a:t>cluster.local : 10.96.0.10</a:t>
+            </a:r>
+          </a:p>
+          <a:p>
+            <a:pPr algn="just"/>
+            <a:r>
+              <a:rPr lang="en-US" altLang="ko-KR" sz="1050"/>
+              <a:t>else : 8.8.8.8</a:t>
+            </a:r>
+          </a:p>
+        </p:txBody>
+      </p:sp>
+      <p:sp>
+        <p:nvSpPr>
+          <p:cNvPr id="95" name="사각형: 둥근 모서리 94">
+            <a:extLst>
+              <a:ext uri="{FF2B5EF4-FFF2-40B4-BE49-F238E27FC236}">
+                <a16:creationId xmlns:a16="http://schemas.microsoft.com/office/drawing/2014/main" id="{16211F37-4A41-4091-9433-9359D05157FC}"/>
+              </a:ext>
+            </a:extLst>
+          </p:cNvPr>
+          <p:cNvSpPr/>
+          <p:nvPr/>
+        </p:nvSpPr>
+        <p:spPr>
+          <a:xfrm>
+            <a:off x="5796136" y="1491630"/>
+            <a:ext cx="2304256" cy="2880320"/>
+          </a:xfrm>
+          <a:prstGeom prst="roundRect">
+            <a:avLst>
+              <a:gd name="adj" fmla="val 2767"/>
+            </a:avLst>
+          </a:prstGeom>
+        </p:spPr>
+        <p:style>
+          <a:lnRef idx="2">
+            <a:schemeClr val="dk1"/>
+          </a:lnRef>
+          <a:fillRef idx="1">
+            <a:schemeClr val="lt1"/>
+          </a:fillRef>
+          <a:effectRef idx="0">
+            <a:schemeClr val="dk1"/>
+          </a:effectRef>
+          <a:fontRef idx="minor">
+            <a:schemeClr val="dk1"/>
+          </a:fontRef>
+        </p:style>
+        <p:txBody>
+          <a:bodyPr rtlCol="0" anchor="b"/>
+          <a:lstStyle/>
+          <a:p>
+            <a:pPr algn="ctr"/>
+            <a:r>
+              <a:rPr lang="en-US" altLang="ko-KR" sz="1200" b="1"/>
+              <a:t>Worker</a:t>
+            </a:r>
+            <a:r>
+              <a:rPr lang="ko-KR" altLang="en-US" sz="1200" b="1"/>
+              <a:t> </a:t>
+            </a:r>
+            <a:r>
+              <a:rPr lang="en-US" altLang="ko-KR" sz="1200" b="1"/>
+              <a:t>Node</a:t>
+            </a:r>
+            <a:endParaRPr lang="ko-KR" altLang="en-US" sz="1200" b="1"/>
+          </a:p>
+        </p:txBody>
+      </p:sp>
+      <p:grpSp>
+        <p:nvGrpSpPr>
+          <p:cNvPr id="96" name="그룹 95">
+            <a:extLst>
+              <a:ext uri="{FF2B5EF4-FFF2-40B4-BE49-F238E27FC236}">
+                <a16:creationId xmlns:a16="http://schemas.microsoft.com/office/drawing/2014/main" id="{FE0B2550-ACA1-4092-9CBD-635A0B3564B1}"/>
+              </a:ext>
+            </a:extLst>
+          </p:cNvPr>
+          <p:cNvGrpSpPr/>
+          <p:nvPr/>
+        </p:nvGrpSpPr>
+        <p:grpSpPr>
+          <a:xfrm>
+            <a:off x="6228184" y="1563638"/>
+            <a:ext cx="1439500" cy="707930"/>
+            <a:chOff x="900582" y="2283719"/>
+            <a:chExt cx="1439500" cy="707930"/>
+          </a:xfrm>
+        </p:grpSpPr>
+        <p:sp>
+          <p:nvSpPr>
+            <p:cNvPr id="97" name="사각형: 둥근 모서리 96">
+              <a:extLst>
+                <a:ext uri="{FF2B5EF4-FFF2-40B4-BE49-F238E27FC236}">
+                  <a16:creationId xmlns:a16="http://schemas.microsoft.com/office/drawing/2014/main" id="{71F6A64B-1028-4660-92F5-BA1779D10F6B}"/>
+                </a:ext>
+              </a:extLst>
+            </p:cNvPr>
+            <p:cNvSpPr/>
+            <p:nvPr/>
+          </p:nvSpPr>
+          <p:spPr>
+            <a:xfrm>
+              <a:off x="900582" y="2283719"/>
+              <a:ext cx="1439500" cy="707930"/>
+            </a:xfrm>
+            <a:prstGeom prst="roundRect">
+              <a:avLst>
+                <a:gd name="adj" fmla="val 9318"/>
+              </a:avLst>
+            </a:prstGeom>
+            <a:ln>
+              <a:solidFill>
+                <a:schemeClr val="tx1"/>
+              </a:solidFill>
+            </a:ln>
+          </p:spPr>
+          <p:style>
+            <a:lnRef idx="2">
+              <a:schemeClr val="dk1"/>
+            </a:lnRef>
+            <a:fillRef idx="1">
+              <a:schemeClr val="lt1"/>
+            </a:fillRef>
+            <a:effectRef idx="0">
+              <a:schemeClr val="dk1"/>
+            </a:effectRef>
+            <a:fontRef idx="minor">
+              <a:schemeClr val="dk1"/>
+            </a:fontRef>
+          </p:style>
+          <p:txBody>
+            <a:bodyPr rtlCol="0" anchor="b"/>
+            <a:lstStyle/>
+            <a:p>
+              <a:pPr algn="ctr"/>
+              <a:r>
+                <a:rPr lang="en-US" altLang="ko-KR" sz="1050"/>
+                <a:t>App Pod</a:t>
+              </a:r>
+            </a:p>
+          </p:txBody>
+        </p:sp>
+        <p:sp>
+          <p:nvSpPr>
+            <p:cNvPr id="98" name="사각형: 둥근 모서리 97">
+              <a:extLst>
+                <a:ext uri="{FF2B5EF4-FFF2-40B4-BE49-F238E27FC236}">
+                  <a16:creationId xmlns:a16="http://schemas.microsoft.com/office/drawing/2014/main" id="{E77D6A15-26A4-405A-A662-1229E24F9A58}"/>
+                </a:ext>
+              </a:extLst>
+            </p:cNvPr>
+            <p:cNvSpPr/>
+            <p:nvPr/>
+          </p:nvSpPr>
+          <p:spPr>
+            <a:xfrm>
+              <a:off x="972260" y="2369490"/>
+              <a:ext cx="1296144" cy="397851"/>
+            </a:xfrm>
+            <a:prstGeom prst="roundRect">
+              <a:avLst>
+                <a:gd name="adj" fmla="val 9318"/>
+              </a:avLst>
+            </a:prstGeom>
+            <a:ln>
+              <a:solidFill>
+                <a:schemeClr val="tx1"/>
+              </a:solidFill>
+            </a:ln>
+          </p:spPr>
+          <p:style>
+            <a:lnRef idx="2">
+              <a:schemeClr val="dk1"/>
+            </a:lnRef>
+            <a:fillRef idx="1">
+              <a:schemeClr val="lt1"/>
+            </a:fillRef>
+            <a:effectRef idx="0">
+              <a:schemeClr val="dk1"/>
+            </a:effectRef>
+            <a:fontRef idx="minor">
+              <a:schemeClr val="dk1"/>
+            </a:fontRef>
+          </p:style>
+          <p:txBody>
+            <a:bodyPr rtlCol="0" anchor="ctr"/>
+            <a:lstStyle/>
+            <a:p>
+              <a:pPr algn="ctr"/>
+              <a:r>
+                <a:rPr lang="en-US" altLang="ko-KR" sz="1050"/>
+                <a:t>10.96.0.10</a:t>
+              </a:r>
+            </a:p>
+            <a:p>
+              <a:pPr algn="ctr"/>
+              <a:r>
+                <a:rPr lang="en-US" altLang="ko-KR" sz="1050"/>
+                <a:t>/etc/resolv.conf</a:t>
+              </a:r>
+              <a:endParaRPr lang="ko-KR" altLang="en-US" sz="1050"/>
+            </a:p>
+          </p:txBody>
+        </p:sp>
+      </p:grpSp>
+      <p:sp>
+        <p:nvSpPr>
+          <p:cNvPr id="99" name="사각형: 둥근 모서리 98">
+            <a:extLst>
+              <a:ext uri="{FF2B5EF4-FFF2-40B4-BE49-F238E27FC236}">
+                <a16:creationId xmlns:a16="http://schemas.microsoft.com/office/drawing/2014/main" id="{233BE644-4F84-49D5-BD03-E0C3741FCAF6}"/>
+              </a:ext>
+            </a:extLst>
+          </p:cNvPr>
+          <p:cNvSpPr/>
+          <p:nvPr/>
+        </p:nvSpPr>
+        <p:spPr>
+          <a:xfrm>
+            <a:off x="5865112" y="2465263"/>
+            <a:ext cx="2165644" cy="1603329"/>
+          </a:xfrm>
+          <a:prstGeom prst="roundRect">
+            <a:avLst>
+              <a:gd name="adj" fmla="val 3417"/>
+            </a:avLst>
+          </a:prstGeom>
+          <a:ln>
+            <a:solidFill>
+              <a:schemeClr val="tx1"/>
+            </a:solidFill>
+          </a:ln>
+        </p:spPr>
+        <p:style>
+          <a:lnRef idx="2">
+            <a:schemeClr val="dk1"/>
+          </a:lnRef>
+          <a:fillRef idx="1">
+            <a:schemeClr val="lt1"/>
+          </a:fillRef>
+          <a:effectRef idx="0">
+            <a:schemeClr val="dk1"/>
+          </a:effectRef>
+          <a:fontRef idx="minor">
+            <a:schemeClr val="dk1"/>
+          </a:fontRef>
+        </p:style>
+        <p:txBody>
+          <a:bodyPr rtlCol="0" anchor="b"/>
+          <a:lstStyle/>
+          <a:p>
+            <a:pPr algn="ctr"/>
+            <a:r>
+              <a:rPr lang="en-US" altLang="ko-KR" sz="1100"/>
+              <a:t>10.96.0.10 / 169.254.20.10</a:t>
+            </a:r>
+          </a:p>
+          <a:p>
+            <a:pPr algn="ctr"/>
+            <a:r>
+              <a:rPr lang="en-US" altLang="ko-KR" sz="1100" b="1"/>
+              <a:t>NodeLocal DNSCache Pod</a:t>
+            </a:r>
+          </a:p>
+          <a:p>
+            <a:pPr algn="ctr"/>
+            <a:r>
+              <a:rPr lang="en-US" altLang="ko-KR" sz="1100"/>
+              <a:t>/ DaemonSet, Host Net NS</a:t>
+            </a:r>
+          </a:p>
+        </p:txBody>
+      </p:sp>
+      <p:sp>
+        <p:nvSpPr>
+          <p:cNvPr id="101" name="사각형: 둥근 모서리 100">
+            <a:extLst>
+              <a:ext uri="{FF2B5EF4-FFF2-40B4-BE49-F238E27FC236}">
+                <a16:creationId xmlns:a16="http://schemas.microsoft.com/office/drawing/2014/main" id="{B5F41F88-80A1-4686-A7A4-F7E1C98C9CCD}"/>
+              </a:ext>
+            </a:extLst>
+          </p:cNvPr>
+          <p:cNvSpPr/>
+          <p:nvPr/>
+        </p:nvSpPr>
+        <p:spPr>
+          <a:xfrm>
+            <a:off x="6011500" y="2533937"/>
+            <a:ext cx="1872868" cy="253835"/>
+          </a:xfrm>
+          <a:prstGeom prst="roundRect">
+            <a:avLst>
+              <a:gd name="adj" fmla="val 18699"/>
+            </a:avLst>
+          </a:prstGeom>
+          <a:ln>
+            <a:solidFill>
+              <a:schemeClr val="tx1"/>
+            </a:solidFill>
+          </a:ln>
+        </p:spPr>
+        <p:style>
+          <a:lnRef idx="2">
+            <a:schemeClr val="dk1"/>
+          </a:lnRef>
+          <a:fillRef idx="1">
+            <a:schemeClr val="lt1"/>
+          </a:fillRef>
+          <a:effectRef idx="0">
+            <a:schemeClr val="dk1"/>
+          </a:effectRef>
+          <a:fontRef idx="minor">
+            <a:schemeClr val="dk1"/>
+          </a:fontRef>
+        </p:style>
+        <p:txBody>
+          <a:bodyPr rtlCol="0" anchor="ctr"/>
+          <a:lstStyle/>
+          <a:p>
+            <a:pPr algn="ctr"/>
+            <a:r>
+              <a:rPr lang="en-US" altLang="ko-KR" sz="1050"/>
+              <a:t>Cache CoreDNS</a:t>
+            </a:r>
+            <a:endParaRPr lang="ko-KR" altLang="en-US" sz="1050"/>
+          </a:p>
+        </p:txBody>
+      </p:sp>
+      <p:sp>
+        <p:nvSpPr>
+          <p:cNvPr id="102" name="사각형: 둥근 모서리 101">
+            <a:extLst>
+              <a:ext uri="{FF2B5EF4-FFF2-40B4-BE49-F238E27FC236}">
+                <a16:creationId xmlns:a16="http://schemas.microsoft.com/office/drawing/2014/main" id="{588D873E-CB95-4F88-8CB9-20B32850E750}"/>
+              </a:ext>
+            </a:extLst>
+          </p:cNvPr>
+          <p:cNvSpPr/>
+          <p:nvPr/>
+        </p:nvSpPr>
+        <p:spPr>
+          <a:xfrm>
+            <a:off x="6011500" y="2787772"/>
+            <a:ext cx="1872868" cy="685884"/>
+          </a:xfrm>
+          <a:prstGeom prst="roundRect">
+            <a:avLst>
+              <a:gd name="adj" fmla="val 8689"/>
+            </a:avLst>
+          </a:prstGeom>
+          <a:ln>
+            <a:solidFill>
+              <a:schemeClr val="tx1"/>
+            </a:solidFill>
+          </a:ln>
+        </p:spPr>
+        <p:style>
+          <a:lnRef idx="2">
+            <a:schemeClr val="dk1"/>
+          </a:lnRef>
+          <a:fillRef idx="1">
+            <a:schemeClr val="lt1"/>
+          </a:fillRef>
+          <a:effectRef idx="0">
+            <a:schemeClr val="dk1"/>
+          </a:effectRef>
+          <a:fontRef idx="minor">
+            <a:schemeClr val="dk1"/>
+          </a:fontRef>
+        </p:style>
+        <p:txBody>
+          <a:bodyPr rtlCol="0" anchor="b"/>
+          <a:lstStyle/>
+          <a:p>
+            <a:pPr algn="ctr"/>
+            <a:r>
+              <a:rPr lang="en-US" altLang="ko-KR" sz="1050"/>
+              <a:t>CoreDNS Config</a:t>
+            </a:r>
+            <a:endParaRPr lang="ko-KR" altLang="en-US" sz="1050"/>
+          </a:p>
+        </p:txBody>
+      </p:sp>
+      <p:sp>
+        <p:nvSpPr>
+          <p:cNvPr id="103" name="사각형: 둥근 모서리 102">
+            <a:extLst>
+              <a:ext uri="{FF2B5EF4-FFF2-40B4-BE49-F238E27FC236}">
+                <a16:creationId xmlns:a16="http://schemas.microsoft.com/office/drawing/2014/main" id="{EE1D5EB8-61F9-44AB-8640-6EDE27B8DD9E}"/>
+              </a:ext>
+            </a:extLst>
+          </p:cNvPr>
+          <p:cNvSpPr/>
+          <p:nvPr/>
+        </p:nvSpPr>
+        <p:spPr>
+          <a:xfrm>
+            <a:off x="6083507" y="2859781"/>
+            <a:ext cx="1728854" cy="360040"/>
+          </a:xfrm>
+          <a:prstGeom prst="roundRect">
+            <a:avLst>
+              <a:gd name="adj" fmla="val 17376"/>
+            </a:avLst>
+          </a:prstGeom>
+          <a:ln>
+            <a:solidFill>
+              <a:schemeClr val="tx1"/>
+            </a:solidFill>
+          </a:ln>
+        </p:spPr>
+        <p:style>
+          <a:lnRef idx="2">
+            <a:schemeClr val="dk1"/>
+          </a:lnRef>
+          <a:fillRef idx="1">
+            <a:schemeClr val="lt1"/>
+          </a:fillRef>
+          <a:effectRef idx="0">
+            <a:schemeClr val="dk1"/>
+          </a:effectRef>
+          <a:fontRef idx="minor">
+            <a:schemeClr val="dk1"/>
+          </a:fontRef>
+        </p:style>
+        <p:txBody>
+          <a:bodyPr rtlCol="0" anchor="ctr"/>
+          <a:lstStyle/>
+          <a:p>
+            <a:pPr algn="just"/>
+            <a:r>
+              <a:rPr lang="en-US" altLang="ko-KR" sz="1050"/>
+              <a:t>cluster.local : 10.96.0.10</a:t>
+            </a:r>
+          </a:p>
+          <a:p>
+            <a:pPr algn="just"/>
+            <a:r>
+              <a:rPr lang="en-US" altLang="ko-KR" sz="1050"/>
+              <a:t>else : 8.8.8.8</a:t>
+            </a:r>
+          </a:p>
+        </p:txBody>
+      </p:sp>
+      <p:cxnSp>
+        <p:nvCxnSpPr>
+          <p:cNvPr id="105" name="직선 화살표 연결선 104">
+            <a:extLst>
+              <a:ext uri="{FF2B5EF4-FFF2-40B4-BE49-F238E27FC236}">
+                <a16:creationId xmlns:a16="http://schemas.microsoft.com/office/drawing/2014/main" id="{B51BC353-A510-44CA-AB33-F782C1125C01}"/>
+              </a:ext>
+            </a:extLst>
+          </p:cNvPr>
+          <p:cNvCxnSpPr>
+            <a:cxnSpLocks/>
+            <a:stCxn id="34" idx="2"/>
+            <a:endCxn id="106" idx="0"/>
+          </p:cNvCxnSpPr>
+          <p:nvPr/>
+        </p:nvCxnSpPr>
+        <p:spPr>
+          <a:xfrm flipH="1">
+            <a:off x="4482402" y="1410945"/>
+            <a:ext cx="1226745" cy="584740"/>
+          </a:xfrm>
+          <a:prstGeom prst="straightConnector1">
+            <a:avLst/>
+          </a:prstGeom>
+          <a:ln w="19050">
+            <a:solidFill>
+              <a:schemeClr val="tx2"/>
+            </a:solidFill>
+            <a:headEnd type="none" w="med" len="med"/>
+            <a:tailEnd type="arrow" w="med" len="med"/>
+          </a:ln>
+        </p:spPr>
+        <p:style>
+          <a:lnRef idx="1">
+            <a:schemeClr val="accent1"/>
+          </a:lnRef>
+          <a:fillRef idx="0">
+            <a:schemeClr val="accent1"/>
+          </a:fillRef>
+          <a:effectRef idx="0">
+            <a:schemeClr val="accent1"/>
+          </a:effectRef>
+          <a:fontRef idx="minor">
+            <a:schemeClr val="tx1"/>
+          </a:fontRef>
+        </p:style>
+      </p:cxnSp>
+      <p:sp>
+        <p:nvSpPr>
+          <p:cNvPr id="106" name="사각형: 둥근 모서리 105">
+            <a:extLst>
+              <a:ext uri="{FF2B5EF4-FFF2-40B4-BE49-F238E27FC236}">
+                <a16:creationId xmlns:a16="http://schemas.microsoft.com/office/drawing/2014/main" id="{193752E1-19CD-4CAC-9B8F-300707B53248}"/>
+              </a:ext>
+            </a:extLst>
+          </p:cNvPr>
+          <p:cNvSpPr/>
+          <p:nvPr/>
+        </p:nvSpPr>
+        <p:spPr>
+          <a:xfrm>
+            <a:off x="3673384" y="1995685"/>
+            <a:ext cx="1618036" cy="305163"/>
+          </a:xfrm>
+          <a:prstGeom prst="roundRect">
+            <a:avLst>
+              <a:gd name="adj" fmla="val 9318"/>
+            </a:avLst>
+          </a:prstGeom>
+          <a:ln>
+            <a:solidFill>
+              <a:schemeClr val="tx1"/>
+            </a:solidFill>
+          </a:ln>
+        </p:spPr>
+        <p:style>
+          <a:lnRef idx="2">
+            <a:schemeClr val="dk1"/>
+          </a:lnRef>
+          <a:fillRef idx="1">
+            <a:schemeClr val="lt1"/>
+          </a:fillRef>
+          <a:effectRef idx="0">
+            <a:schemeClr val="dk1"/>
+          </a:effectRef>
+          <a:fontRef idx="minor">
+            <a:schemeClr val="dk1"/>
+          </a:fontRef>
+        </p:style>
+        <p:txBody>
+          <a:bodyPr rtlCol="0" anchor="ctr"/>
+          <a:lstStyle/>
+          <a:p>
+            <a:pPr algn="ctr"/>
+            <a:r>
+              <a:rPr lang="en-US" altLang="ko-KR" sz="1050"/>
+              <a:t>Cluster CoreDNS Pod</a:t>
+            </a:r>
+            <a:endParaRPr lang="en-US" altLang="ko-KR" sz="1200"/>
+          </a:p>
+        </p:txBody>
+      </p:sp>
+      <p:cxnSp>
+        <p:nvCxnSpPr>
+          <p:cNvPr id="107" name="직선 화살표 연결선 106">
+            <a:extLst>
+              <a:ext uri="{FF2B5EF4-FFF2-40B4-BE49-F238E27FC236}">
+                <a16:creationId xmlns:a16="http://schemas.microsoft.com/office/drawing/2014/main" id="{41427450-1BC2-40D2-A90A-9AFD48FE671C}"/>
+              </a:ext>
+            </a:extLst>
+          </p:cNvPr>
+          <p:cNvCxnSpPr>
+            <a:cxnSpLocks/>
+            <a:stCxn id="97" idx="2"/>
+            <a:endCxn id="99" idx="0"/>
+          </p:cNvCxnSpPr>
+          <p:nvPr/>
+        </p:nvCxnSpPr>
+        <p:spPr>
+          <a:xfrm>
+            <a:off x="6947934" y="2271568"/>
+            <a:ext cx="0" cy="193695"/>
+          </a:xfrm>
+          <a:prstGeom prst="straightConnector1">
+            <a:avLst/>
+          </a:prstGeom>
+          <a:ln w="19050">
+            <a:solidFill>
+              <a:schemeClr val="tx2"/>
+            </a:solidFill>
+            <a:headEnd type="none" w="med" len="med"/>
+            <a:tailEnd type="arrow" w="med" len="med"/>
+          </a:ln>
+        </p:spPr>
+        <p:style>
+          <a:lnRef idx="1">
+            <a:schemeClr val="accent1"/>
+          </a:lnRef>
+          <a:fillRef idx="0">
+            <a:schemeClr val="accent1"/>
+          </a:fillRef>
+          <a:effectRef idx="0">
+            <a:schemeClr val="accent1"/>
+          </a:effectRef>
+          <a:fontRef idx="minor">
+            <a:schemeClr val="tx1"/>
+          </a:fontRef>
+        </p:style>
+      </p:cxnSp>
+      <p:cxnSp>
+        <p:nvCxnSpPr>
+          <p:cNvPr id="108" name="직선 화살표 연결선 107">
+            <a:extLst>
+              <a:ext uri="{FF2B5EF4-FFF2-40B4-BE49-F238E27FC236}">
+                <a16:creationId xmlns:a16="http://schemas.microsoft.com/office/drawing/2014/main" id="{C36678F0-FD56-46F2-BB1C-8793F8E4FEDE}"/>
+              </a:ext>
+            </a:extLst>
+          </p:cNvPr>
+          <p:cNvCxnSpPr>
+            <a:cxnSpLocks/>
+            <a:stCxn id="99" idx="0"/>
+            <a:endCxn id="34" idx="2"/>
+          </p:cNvCxnSpPr>
+          <p:nvPr/>
+        </p:nvCxnSpPr>
+        <p:spPr>
+          <a:xfrm flipH="1" flipV="1">
+            <a:off x="5709147" y="1410945"/>
+            <a:ext cx="1238787" cy="1054318"/>
+          </a:xfrm>
+          <a:prstGeom prst="straightConnector1">
+            <a:avLst/>
+          </a:prstGeom>
+          <a:ln w="19050">
+            <a:solidFill>
+              <a:schemeClr val="tx2"/>
+            </a:solidFill>
+            <a:headEnd type="none" w="med" len="med"/>
+            <a:tailEnd type="arrow" w="med" len="med"/>
+          </a:ln>
+        </p:spPr>
+        <p:style>
+          <a:lnRef idx="1">
+            <a:schemeClr val="accent1"/>
+          </a:lnRef>
+          <a:fillRef idx="0">
+            <a:schemeClr val="accent1"/>
+          </a:fillRef>
+          <a:effectRef idx="0">
+            <a:schemeClr val="accent1"/>
+          </a:effectRef>
+          <a:fontRef idx="minor">
+            <a:schemeClr val="tx1"/>
+          </a:fontRef>
+        </p:style>
+      </p:cxnSp>
+      <p:cxnSp>
+        <p:nvCxnSpPr>
+          <p:cNvPr id="110" name="직선 화살표 연결선 109">
+            <a:extLst>
+              <a:ext uri="{FF2B5EF4-FFF2-40B4-BE49-F238E27FC236}">
+                <a16:creationId xmlns:a16="http://schemas.microsoft.com/office/drawing/2014/main" id="{17CAF32F-3C1E-48E9-ABB7-AB4F362ED77A}"/>
+              </a:ext>
+            </a:extLst>
+          </p:cNvPr>
+          <p:cNvCxnSpPr>
+            <a:cxnSpLocks/>
+            <a:stCxn id="106" idx="1"/>
+            <a:endCxn id="72" idx="3"/>
+          </p:cNvCxnSpPr>
+          <p:nvPr/>
+        </p:nvCxnSpPr>
+        <p:spPr>
+          <a:xfrm flipH="1">
+            <a:off x="2665099" y="2148267"/>
+            <a:ext cx="1008285" cy="0"/>
+          </a:xfrm>
+          <a:prstGeom prst="straightConnector1">
+            <a:avLst/>
+          </a:prstGeom>
+          <a:ln w="19050">
+            <a:solidFill>
+              <a:schemeClr val="tx2"/>
+            </a:solidFill>
+            <a:headEnd type="none" w="med" len="med"/>
+            <a:tailEnd type="arrow" w="med" len="med"/>
+          </a:ln>
+        </p:spPr>
+        <p:style>
+          <a:lnRef idx="1">
+            <a:schemeClr val="accent1"/>
+          </a:lnRef>
+          <a:fillRef idx="0">
+            <a:schemeClr val="accent1"/>
+          </a:fillRef>
+          <a:effectRef idx="0">
+            <a:schemeClr val="accent1"/>
+          </a:effectRef>
+          <a:fontRef idx="minor">
+            <a:schemeClr val="tx1"/>
+          </a:fontRef>
+        </p:style>
+      </p:cxnSp>
+      <p:cxnSp>
+        <p:nvCxnSpPr>
+          <p:cNvPr id="116" name="직선 화살표 연결선 115">
+            <a:extLst>
+              <a:ext uri="{FF2B5EF4-FFF2-40B4-BE49-F238E27FC236}">
+                <a16:creationId xmlns:a16="http://schemas.microsoft.com/office/drawing/2014/main" id="{1AAFB649-096E-4E02-B377-1937E978C5A3}"/>
+              </a:ext>
+            </a:extLst>
+          </p:cNvPr>
+          <p:cNvCxnSpPr>
+            <a:cxnSpLocks/>
+            <a:endCxn id="41" idx="2"/>
+          </p:cNvCxnSpPr>
+          <p:nvPr/>
+        </p:nvCxnSpPr>
+        <p:spPr>
+          <a:xfrm flipH="1" flipV="1">
+            <a:off x="3243615" y="1419622"/>
+            <a:ext cx="3526599" cy="1042306"/>
+          </a:xfrm>
+          <a:prstGeom prst="straightConnector1">
+            <a:avLst/>
+          </a:prstGeom>
+          <a:ln w="19050">
+            <a:solidFill>
+              <a:srgbClr val="C00000"/>
+            </a:solidFill>
+            <a:headEnd type="none" w="med" len="med"/>
+            <a:tailEnd type="arrow" w="med" len="med"/>
+          </a:ln>
+        </p:spPr>
+        <p:style>
+          <a:lnRef idx="1">
+            <a:schemeClr val="accent1"/>
+          </a:lnRef>
+          <a:fillRef idx="0">
+            <a:schemeClr val="accent1"/>
+          </a:fillRef>
+          <a:effectRef idx="0">
+            <a:schemeClr val="accent1"/>
+          </a:effectRef>
+          <a:fontRef idx="minor">
+            <a:schemeClr val="tx1"/>
+          </a:fontRef>
+        </p:style>
+      </p:cxnSp>
+      <p:cxnSp>
+        <p:nvCxnSpPr>
+          <p:cNvPr id="122" name="직선 화살표 연결선 121">
+            <a:extLst>
+              <a:ext uri="{FF2B5EF4-FFF2-40B4-BE49-F238E27FC236}">
+                <a16:creationId xmlns:a16="http://schemas.microsoft.com/office/drawing/2014/main" id="{D9ABFD66-0EE8-46E9-9C1B-78206ED5A416}"/>
+              </a:ext>
+            </a:extLst>
+          </p:cNvPr>
+          <p:cNvCxnSpPr>
+            <a:cxnSpLocks/>
+          </p:cNvCxnSpPr>
+          <p:nvPr/>
+        </p:nvCxnSpPr>
+        <p:spPr>
+          <a:xfrm>
+            <a:off x="6770215" y="2271568"/>
+            <a:ext cx="0" cy="190360"/>
+          </a:xfrm>
+          <a:prstGeom prst="straightConnector1">
+            <a:avLst/>
+          </a:prstGeom>
+          <a:ln w="19050">
+            <a:solidFill>
+              <a:srgbClr val="C00000"/>
+            </a:solidFill>
+            <a:headEnd type="none" w="med" len="med"/>
+            <a:tailEnd type="arrow" w="med" len="med"/>
+          </a:ln>
+        </p:spPr>
+        <p:style>
+          <a:lnRef idx="1">
+            <a:schemeClr val="accent1"/>
+          </a:lnRef>
+          <a:fillRef idx="0">
+            <a:schemeClr val="accent1"/>
+          </a:fillRef>
+          <a:effectRef idx="0">
+            <a:schemeClr val="accent1"/>
+          </a:effectRef>
+          <a:fontRef idx="minor">
+            <a:schemeClr val="tx1"/>
+          </a:fontRef>
+        </p:style>
+      </p:cxnSp>
+      <p:sp>
+        <p:nvSpPr>
+          <p:cNvPr id="135" name="TextBox 134">
+            <a:extLst>
+              <a:ext uri="{FF2B5EF4-FFF2-40B4-BE49-F238E27FC236}">
+                <a16:creationId xmlns:a16="http://schemas.microsoft.com/office/drawing/2014/main" id="{64812EE8-ADF8-4D64-9A79-FAA629FCEC74}"/>
+              </a:ext>
+            </a:extLst>
+          </p:cNvPr>
+          <p:cNvSpPr txBox="1"/>
+          <p:nvPr/>
+        </p:nvSpPr>
+        <p:spPr>
+          <a:xfrm>
+            <a:off x="6952357" y="2224105"/>
+            <a:ext cx="1147375" cy="261610"/>
+          </a:xfrm>
+          <a:prstGeom prst="rect">
+            <a:avLst/>
+          </a:prstGeom>
+          <a:noFill/>
+        </p:spPr>
+        <p:txBody>
+          <a:bodyPr wrap="square" rtlCol="0">
+            <a:spAutoFit/>
+          </a:bodyPr>
+          <a:lstStyle/>
+          <a:p>
+            <a:pPr algn="ctr"/>
+            <a:r>
+              <a:rPr lang="en-US" altLang="ko-KR" sz="1050" b="1">
+                <a:solidFill>
+                  <a:schemeClr val="tx2"/>
+                </a:solidFill>
+              </a:rPr>
+              <a:t>Resolve/UDP</a:t>
+            </a:r>
+            <a:endParaRPr lang="ko-KR" altLang="en-US" sz="1050" b="1">
+              <a:solidFill>
+                <a:schemeClr val="tx2"/>
+              </a:solidFill>
+            </a:endParaRPr>
+          </a:p>
+        </p:txBody>
+      </p:sp>
+      <p:sp>
+        <p:nvSpPr>
+          <p:cNvPr id="139" name="TextBox 138">
+            <a:extLst>
+              <a:ext uri="{FF2B5EF4-FFF2-40B4-BE49-F238E27FC236}">
+                <a16:creationId xmlns:a16="http://schemas.microsoft.com/office/drawing/2014/main" id="{0A70251D-3328-4A47-ABA8-CECF356DE344}"/>
+              </a:ext>
+            </a:extLst>
+          </p:cNvPr>
+          <p:cNvSpPr txBox="1"/>
+          <p:nvPr/>
+        </p:nvSpPr>
+        <p:spPr>
+          <a:xfrm>
+            <a:off x="5570158" y="1721943"/>
+            <a:ext cx="753908" cy="430887"/>
+          </a:xfrm>
+          <a:prstGeom prst="rect">
+            <a:avLst/>
+          </a:prstGeom>
+          <a:noFill/>
+        </p:spPr>
+        <p:txBody>
+          <a:bodyPr wrap="square" rtlCol="0">
+            <a:spAutoFit/>
+          </a:bodyPr>
+          <a:lstStyle/>
+          <a:p>
+            <a:pPr algn="ctr"/>
+            <a:r>
+              <a:rPr lang="en-US" altLang="ko-KR" sz="1050" b="1">
+                <a:solidFill>
+                  <a:schemeClr val="tx2"/>
+                </a:solidFill>
+              </a:rPr>
+              <a:t>Resolve</a:t>
+            </a:r>
+          </a:p>
+          <a:p>
+            <a:pPr algn="ctr"/>
+            <a:r>
+              <a:rPr lang="en-US" altLang="ko-KR" sz="1050" b="1">
+                <a:solidFill>
+                  <a:schemeClr val="tx2"/>
+                </a:solidFill>
+              </a:rPr>
+              <a:t>/TCP</a:t>
+            </a:r>
+            <a:endParaRPr lang="ko-KR" altLang="en-US" sz="1050" b="1">
+              <a:solidFill>
+                <a:schemeClr val="tx2"/>
+              </a:solidFill>
+            </a:endParaRPr>
+          </a:p>
+        </p:txBody>
+      </p:sp>
+      <p:sp>
+        <p:nvSpPr>
+          <p:cNvPr id="140" name="TextBox 139">
+            <a:extLst>
+              <a:ext uri="{FF2B5EF4-FFF2-40B4-BE49-F238E27FC236}">
+                <a16:creationId xmlns:a16="http://schemas.microsoft.com/office/drawing/2014/main" id="{B230427C-6E76-4C6D-B293-39810C9E9F70}"/>
+              </a:ext>
+            </a:extLst>
+          </p:cNvPr>
+          <p:cNvSpPr txBox="1"/>
+          <p:nvPr/>
+        </p:nvSpPr>
+        <p:spPr>
+          <a:xfrm>
+            <a:off x="2501172" y="1888308"/>
+            <a:ext cx="846692" cy="261610"/>
+          </a:xfrm>
+          <a:prstGeom prst="rect">
+            <a:avLst/>
+          </a:prstGeom>
+          <a:noFill/>
+        </p:spPr>
+        <p:txBody>
+          <a:bodyPr wrap="square" rtlCol="0" anchor="ctr">
+            <a:spAutoFit/>
+          </a:bodyPr>
+          <a:lstStyle/>
+          <a:p>
+            <a:pPr algn="ctr"/>
+            <a:r>
+              <a:rPr lang="en-US" altLang="ko-KR" sz="1050" b="1">
+                <a:solidFill>
+                  <a:schemeClr val="tx2"/>
+                </a:solidFill>
+              </a:rPr>
+              <a:t>Watch</a:t>
+            </a:r>
+            <a:endParaRPr lang="ko-KR" altLang="en-US" sz="1100" b="1">
+              <a:solidFill>
+                <a:schemeClr val="tx2"/>
+              </a:solidFill>
+            </a:endParaRPr>
+          </a:p>
+        </p:txBody>
+      </p:sp>
+      <p:sp>
+        <p:nvSpPr>
+          <p:cNvPr id="141" name="TextBox 140">
+            <a:extLst>
+              <a:ext uri="{FF2B5EF4-FFF2-40B4-BE49-F238E27FC236}">
+                <a16:creationId xmlns:a16="http://schemas.microsoft.com/office/drawing/2014/main" id="{F207F1DB-1E37-4994-9846-A3A5AADFCE82}"/>
+              </a:ext>
+            </a:extLst>
+          </p:cNvPr>
+          <p:cNvSpPr txBox="1"/>
+          <p:nvPr/>
+        </p:nvSpPr>
+        <p:spPr>
+          <a:xfrm>
+            <a:off x="3695299" y="1391133"/>
+            <a:ext cx="1147375" cy="261610"/>
+          </a:xfrm>
+          <a:prstGeom prst="rect">
+            <a:avLst/>
+          </a:prstGeom>
+          <a:noFill/>
+        </p:spPr>
+        <p:txBody>
+          <a:bodyPr wrap="square" rtlCol="0">
+            <a:spAutoFit/>
+          </a:bodyPr>
+          <a:lstStyle/>
+          <a:p>
+            <a:pPr algn="ctr"/>
+            <a:r>
+              <a:rPr lang="en-US" altLang="ko-KR" sz="1050" b="1">
+                <a:solidFill>
+                  <a:srgbClr val="C00000"/>
+                </a:solidFill>
+              </a:rPr>
+              <a:t>Resolve/UDP</a:t>
+            </a:r>
+            <a:endParaRPr lang="ko-KR" altLang="en-US" sz="1050" b="1">
+              <a:solidFill>
+                <a:srgbClr val="C00000"/>
+              </a:solidFill>
+            </a:endParaRPr>
+          </a:p>
+        </p:txBody>
+      </p:sp>
+      <p:cxnSp>
+        <p:nvCxnSpPr>
+          <p:cNvPr id="142" name="직선 화살표 연결선 141">
+            <a:extLst>
+              <a:ext uri="{FF2B5EF4-FFF2-40B4-BE49-F238E27FC236}">
+                <a16:creationId xmlns:a16="http://schemas.microsoft.com/office/drawing/2014/main" id="{F0F04255-0220-4428-A5A9-263CE7143D44}"/>
+              </a:ext>
+            </a:extLst>
+          </p:cNvPr>
+          <p:cNvCxnSpPr>
+            <a:cxnSpLocks/>
+            <a:endCxn id="145" idx="1"/>
+          </p:cNvCxnSpPr>
+          <p:nvPr/>
+        </p:nvCxnSpPr>
+        <p:spPr>
+          <a:xfrm flipV="1">
+            <a:off x="903517" y="1534275"/>
+            <a:ext cx="225932" cy="1"/>
+          </a:xfrm>
+          <a:prstGeom prst="straightConnector1">
+            <a:avLst/>
+          </a:prstGeom>
+          <a:ln w="19050">
+            <a:solidFill>
+              <a:schemeClr val="tx2"/>
+            </a:solidFill>
+            <a:headEnd type="none" w="med" len="med"/>
+            <a:tailEnd type="arrow" w="med" len="med"/>
+          </a:ln>
+        </p:spPr>
+        <p:style>
+          <a:lnRef idx="1">
+            <a:schemeClr val="accent1"/>
+          </a:lnRef>
+          <a:fillRef idx="0">
+            <a:schemeClr val="accent1"/>
+          </a:fillRef>
+          <a:effectRef idx="0">
+            <a:schemeClr val="accent1"/>
+          </a:effectRef>
+          <a:fontRef idx="minor">
+            <a:schemeClr val="tx1"/>
+          </a:fontRef>
+        </p:style>
+      </p:cxnSp>
+      <p:sp>
+        <p:nvSpPr>
+          <p:cNvPr id="145" name="TextBox 144">
+            <a:extLst>
+              <a:ext uri="{FF2B5EF4-FFF2-40B4-BE49-F238E27FC236}">
+                <a16:creationId xmlns:a16="http://schemas.microsoft.com/office/drawing/2014/main" id="{6D36B01E-6F3F-4CAD-A17D-185186B643C9}"/>
+              </a:ext>
+            </a:extLst>
+          </p:cNvPr>
+          <p:cNvSpPr txBox="1"/>
+          <p:nvPr/>
+        </p:nvSpPr>
+        <p:spPr>
+          <a:xfrm>
+            <a:off x="1129449" y="1407317"/>
+            <a:ext cx="1179285" cy="253916"/>
+          </a:xfrm>
+          <a:prstGeom prst="rect">
+            <a:avLst/>
+          </a:prstGeom>
+          <a:noFill/>
+        </p:spPr>
+        <p:txBody>
+          <a:bodyPr wrap="square" rtlCol="0">
+            <a:spAutoFit/>
+          </a:bodyPr>
+          <a:lstStyle/>
+          <a:p>
+            <a:pPr algn="ctr"/>
+            <a:r>
+              <a:rPr lang="en-US" altLang="ko-KR" sz="1050" b="1"/>
+              <a:t>Clutser Domain</a:t>
+            </a:r>
+            <a:endParaRPr lang="ko-KR" altLang="en-US" sz="1050" b="1"/>
+          </a:p>
+        </p:txBody>
+      </p:sp>
+      <p:cxnSp>
+        <p:nvCxnSpPr>
+          <p:cNvPr id="149" name="직선 화살표 연결선 148">
+            <a:extLst>
+              <a:ext uri="{FF2B5EF4-FFF2-40B4-BE49-F238E27FC236}">
+                <a16:creationId xmlns:a16="http://schemas.microsoft.com/office/drawing/2014/main" id="{34E5A12C-85DA-4149-AF7F-7318221165CE}"/>
+              </a:ext>
+            </a:extLst>
+          </p:cNvPr>
+          <p:cNvCxnSpPr>
+            <a:cxnSpLocks/>
+            <a:endCxn id="150" idx="1"/>
+          </p:cNvCxnSpPr>
+          <p:nvPr/>
+        </p:nvCxnSpPr>
+        <p:spPr>
+          <a:xfrm flipV="1">
+            <a:off x="899592" y="1724712"/>
+            <a:ext cx="225932" cy="2"/>
+          </a:xfrm>
+          <a:prstGeom prst="straightConnector1">
+            <a:avLst/>
+          </a:prstGeom>
+          <a:ln w="19050">
+            <a:solidFill>
+              <a:srgbClr val="C00000"/>
+            </a:solidFill>
+            <a:headEnd type="none" w="med" len="med"/>
+            <a:tailEnd type="arrow" w="med" len="med"/>
+          </a:ln>
+        </p:spPr>
+        <p:style>
+          <a:lnRef idx="1">
+            <a:schemeClr val="accent1"/>
+          </a:lnRef>
+          <a:fillRef idx="0">
+            <a:schemeClr val="accent1"/>
+          </a:fillRef>
+          <a:effectRef idx="0">
+            <a:schemeClr val="accent1"/>
+          </a:effectRef>
+          <a:fontRef idx="minor">
+            <a:schemeClr val="tx1"/>
+          </a:fontRef>
+        </p:style>
+      </p:cxnSp>
+      <p:sp>
+        <p:nvSpPr>
+          <p:cNvPr id="150" name="TextBox 149">
+            <a:extLst>
+              <a:ext uri="{FF2B5EF4-FFF2-40B4-BE49-F238E27FC236}">
+                <a16:creationId xmlns:a16="http://schemas.microsoft.com/office/drawing/2014/main" id="{BE33B161-442C-477E-956C-D488389093DC}"/>
+              </a:ext>
+            </a:extLst>
+          </p:cNvPr>
+          <p:cNvSpPr txBox="1"/>
+          <p:nvPr/>
+        </p:nvSpPr>
+        <p:spPr>
+          <a:xfrm>
+            <a:off x="1125524" y="1597754"/>
+            <a:ext cx="1473765" cy="253916"/>
+          </a:xfrm>
+          <a:prstGeom prst="rect">
+            <a:avLst/>
+          </a:prstGeom>
+          <a:noFill/>
+        </p:spPr>
+        <p:txBody>
+          <a:bodyPr wrap="square" rtlCol="0">
+            <a:spAutoFit/>
+          </a:bodyPr>
+          <a:lstStyle/>
+          <a:p>
+            <a:pPr algn="ctr"/>
+            <a:r>
+              <a:rPr lang="en-US" altLang="ko-KR" sz="1050" b="1"/>
+              <a:t>Not Clutser Domain</a:t>
+            </a:r>
+            <a:endParaRPr lang="ko-KR" altLang="en-US" sz="1050" b="1"/>
+          </a:p>
+        </p:txBody>
+      </p:sp>
+    </p:spTree>
+    <p:extLst>
+      <p:ext uri="{BB962C8B-B14F-4D97-AF65-F5344CB8AC3E}">
+        <p14:creationId xmlns:p14="http://schemas.microsoft.com/office/powerpoint/2010/main" val="1631464771"/>
+      </p:ext>
+    </p:extLst>
+  </p:cSld>
+  <p:clrMapOvr>
+    <a:masterClrMapping/>
+  </p:clrMapOvr>
+</p:sld>
+</file>
+
+<file path=ppt/slides/slide2.xml><?xml version="1.0" encoding="utf-8"?>
+<p:sld xmlns:a="http://schemas.openxmlformats.org/drawingml/2006/main" xmlns:r="http://schemas.openxmlformats.org/officeDocument/2006/relationships" xmlns:p="http://schemas.openxmlformats.org/presentationml/2006/main">
+  <p:cSld>
+    <p:spTree>
+      <p:nvGrpSpPr>
+        <p:cNvPr id="1" name=""/>
+        <p:cNvGrpSpPr/>
+        <p:nvPr/>
+      </p:nvGrpSpPr>
+      <p:grpSpPr>
+        <a:xfrm>
+          <a:off x="0" y="0"/>
+          <a:ext cx="0" cy="0"/>
+          <a:chOff x="0" y="0"/>
+          <a:chExt cx="0" cy="0"/>
+        </a:xfrm>
+      </p:grpSpPr>
+      <p:sp>
+        <p:nvSpPr>
+          <p:cNvPr id="29" name="사각형: 둥근 모서리 28">
+            <a:extLst>
+              <a:ext uri="{FF2B5EF4-FFF2-40B4-BE49-F238E27FC236}">
+                <a16:creationId xmlns:a16="http://schemas.microsoft.com/office/drawing/2014/main" id="{88110E34-39B0-4FC0-A9E5-51687A3D9491}"/>
+              </a:ext>
+            </a:extLst>
+          </p:cNvPr>
+          <p:cNvSpPr/>
+          <p:nvPr/>
+        </p:nvSpPr>
+        <p:spPr>
+          <a:xfrm>
+            <a:off x="865559" y="1923677"/>
+            <a:ext cx="2304256" cy="2448272"/>
+          </a:xfrm>
+          <a:prstGeom prst="roundRect">
+            <a:avLst>
+              <a:gd name="adj" fmla="val 2767"/>
+            </a:avLst>
+          </a:prstGeom>
+        </p:spPr>
+        <p:style>
+          <a:lnRef idx="2">
+            <a:schemeClr val="dk1"/>
+          </a:lnRef>
+          <a:fillRef idx="1">
+            <a:schemeClr val="lt1"/>
+          </a:fillRef>
+          <a:effectRef idx="0">
+            <a:schemeClr val="dk1"/>
+          </a:effectRef>
+          <a:fontRef idx="minor">
+            <a:schemeClr val="dk1"/>
+          </a:fontRef>
+        </p:style>
+        <p:txBody>
+          <a:bodyPr rtlCol="0" anchor="b"/>
+          <a:lstStyle/>
+          <a:p>
+            <a:pPr algn="ctr"/>
+            <a:r>
+              <a:rPr lang="en-US" altLang="ko-KR" sz="1200" b="1"/>
+              <a:t>Master</a:t>
+            </a:r>
+            <a:r>
+              <a:rPr lang="ko-KR" altLang="en-US" sz="1200" b="1"/>
+              <a:t> </a:t>
+            </a:r>
+            <a:r>
+              <a:rPr lang="en-US" altLang="ko-KR" sz="1200" b="1"/>
+              <a:t>Node</a:t>
+            </a:r>
+            <a:endParaRPr lang="ko-KR" altLang="en-US" sz="1200" b="1"/>
+          </a:p>
+        </p:txBody>
+      </p:sp>
+      <p:sp>
+        <p:nvSpPr>
+          <p:cNvPr id="34" name="사각형: 둥근 모서리 33">
+            <a:extLst>
+              <a:ext uri="{FF2B5EF4-FFF2-40B4-BE49-F238E27FC236}">
+                <a16:creationId xmlns:a16="http://schemas.microsoft.com/office/drawing/2014/main" id="{94838C8D-35C3-4BBD-8283-7EB6C4DFE885}"/>
+              </a:ext>
+            </a:extLst>
+          </p:cNvPr>
+          <p:cNvSpPr/>
+          <p:nvPr/>
+        </p:nvSpPr>
+        <p:spPr>
+          <a:xfrm>
+            <a:off x="4701035" y="906889"/>
+            <a:ext cx="2016224" cy="504056"/>
+          </a:xfrm>
+          <a:prstGeom prst="roundRect">
+            <a:avLst>
+              <a:gd name="adj" fmla="val 9318"/>
+            </a:avLst>
+          </a:prstGeom>
+          <a:ln>
+            <a:solidFill>
+              <a:schemeClr val="tx1"/>
+            </a:solidFill>
+          </a:ln>
+        </p:spPr>
+        <p:style>
+          <a:lnRef idx="2">
+            <a:schemeClr val="dk1"/>
+          </a:lnRef>
+          <a:fillRef idx="1">
+            <a:schemeClr val="lt1"/>
+          </a:fillRef>
+          <a:effectRef idx="0">
+            <a:schemeClr val="dk1"/>
+          </a:effectRef>
+          <a:fontRef idx="minor">
+            <a:schemeClr val="dk1"/>
+          </a:fontRef>
+        </p:style>
+        <p:txBody>
+          <a:bodyPr rtlCol="0" anchor="ctr"/>
+          <a:lstStyle/>
+          <a:p>
+            <a:pPr algn="ctr"/>
+            <a:r>
+              <a:rPr lang="en-US" altLang="ko-KR" sz="1200"/>
+              <a:t>10.96.0.10</a:t>
+            </a:r>
+          </a:p>
+          <a:p>
+            <a:pPr algn="ctr"/>
+            <a:r>
+              <a:rPr lang="en-US" altLang="ko-KR" sz="1200"/>
+              <a:t>Cluster CoreDNS Service</a:t>
+            </a:r>
+          </a:p>
+        </p:txBody>
+      </p:sp>
+      <p:sp>
+        <p:nvSpPr>
+          <p:cNvPr id="41" name="사각형: 둥근 모서리 40">
+            <a:extLst>
+              <a:ext uri="{FF2B5EF4-FFF2-40B4-BE49-F238E27FC236}">
+                <a16:creationId xmlns:a16="http://schemas.microsoft.com/office/drawing/2014/main" id="{07768152-EBC2-4308-A6A6-016B4D2E34C4}"/>
+              </a:ext>
+            </a:extLst>
+          </p:cNvPr>
+          <p:cNvSpPr/>
+          <p:nvPr/>
+        </p:nvSpPr>
+        <p:spPr>
+          <a:xfrm>
+            <a:off x="2379519" y="915566"/>
+            <a:ext cx="1728192" cy="504056"/>
+          </a:xfrm>
+          <a:prstGeom prst="roundRect">
+            <a:avLst>
+              <a:gd name="adj" fmla="val 9318"/>
+            </a:avLst>
+          </a:prstGeom>
+          <a:ln>
+            <a:solidFill>
+              <a:schemeClr val="tx1"/>
+            </a:solidFill>
+          </a:ln>
+        </p:spPr>
+        <p:style>
+          <a:lnRef idx="2">
+            <a:schemeClr val="dk1"/>
+          </a:lnRef>
+          <a:fillRef idx="1">
+            <a:schemeClr val="lt1"/>
+          </a:fillRef>
+          <a:effectRef idx="0">
+            <a:schemeClr val="dk1"/>
+          </a:effectRef>
+          <a:fontRef idx="minor">
+            <a:schemeClr val="dk1"/>
+          </a:fontRef>
+        </p:style>
+        <p:txBody>
+          <a:bodyPr rtlCol="0" anchor="ctr"/>
+          <a:lstStyle/>
+          <a:p>
+            <a:pPr algn="ctr"/>
+            <a:r>
+              <a:rPr lang="en-US" altLang="ko-KR" sz="1200"/>
+              <a:t>8.8.8.8</a:t>
+            </a:r>
+          </a:p>
+          <a:p>
+            <a:pPr algn="ctr"/>
+            <a:r>
+              <a:rPr lang="en-US" altLang="ko-KR" sz="1200"/>
+              <a:t>External DNS Server</a:t>
+            </a:r>
+          </a:p>
+        </p:txBody>
+      </p:sp>
+      <p:sp>
+        <p:nvSpPr>
+          <p:cNvPr id="44" name="사각형: 둥근 모서리 43">
+            <a:extLst>
+              <a:ext uri="{FF2B5EF4-FFF2-40B4-BE49-F238E27FC236}">
+                <a16:creationId xmlns:a16="http://schemas.microsoft.com/office/drawing/2014/main" id="{1CFA2CE2-968B-4471-8E41-08E50FA30032}"/>
+              </a:ext>
+            </a:extLst>
+          </p:cNvPr>
+          <p:cNvSpPr/>
+          <p:nvPr/>
+        </p:nvSpPr>
+        <p:spPr>
+          <a:xfrm>
+            <a:off x="934535" y="2465263"/>
+            <a:ext cx="2165644" cy="1603329"/>
+          </a:xfrm>
+          <a:prstGeom prst="roundRect">
+            <a:avLst>
+              <a:gd name="adj" fmla="val 3417"/>
+            </a:avLst>
+          </a:prstGeom>
+          <a:ln>
+            <a:solidFill>
+              <a:schemeClr val="tx1"/>
+            </a:solidFill>
+          </a:ln>
+        </p:spPr>
+        <p:style>
+          <a:lnRef idx="2">
+            <a:schemeClr val="dk1"/>
+          </a:lnRef>
+          <a:fillRef idx="1">
+            <a:schemeClr val="lt1"/>
+          </a:fillRef>
+          <a:effectRef idx="0">
+            <a:schemeClr val="dk1"/>
+          </a:effectRef>
+          <a:fontRef idx="minor">
+            <a:schemeClr val="dk1"/>
+          </a:fontRef>
+        </p:style>
+        <p:txBody>
+          <a:bodyPr rtlCol="0" anchor="b"/>
+          <a:lstStyle/>
+          <a:p>
+            <a:pPr algn="ctr"/>
+            <a:r>
+              <a:rPr lang="en-US" altLang="ko-KR" sz="1100"/>
               <a:t>169.254.20.10</a:t>
             </a:r>
           </a:p>
@@ -4988,7 +6918,7 @@
         </p:nvSpPr>
         <p:spPr>
           <a:xfrm>
-            <a:off x="5158280" y="1532494"/>
+            <a:off x="5570158" y="1721943"/>
             <a:ext cx="753908" cy="430887"/>
           </a:xfrm>
           <a:prstGeom prst="rect">
@@ -5289,7 +7219,7 @@
     </p:spTree>
     <p:extLst>
       <p:ext uri="{BB962C8B-B14F-4D97-AF65-F5344CB8AC3E}">
-        <p14:creationId xmlns:p14="http://schemas.microsoft.com/office/powerpoint/2010/main" val="3240817009"/>
+        <p14:creationId xmlns:p14="http://schemas.microsoft.com/office/powerpoint/2010/main" val="1242004761"/>
       </p:ext>
     </p:extLst>
   </p:cSld>

--- a/images/theory_analysis/Kubernetes_NodeLocal_DNSCache/Kubernetes_NodeLocal_DNSCache.pptx
+++ b/images/theory_analysis/Kubernetes_NodeLocal_DNSCache/Kubernetes_NodeLocal_DNSCache.pptx
@@ -214,7 +214,7 @@
           <a:p>
             <a:fld id="{6CD5550B-26C4-49A9-A5BA-636EF7BE6CE9}" type="datetimeFigureOut">
               <a:rPr lang="ko-KR" altLang="en-US" smtClean="0"/>
-              <a:t>2020-12-13</a:t>
+              <a:t>2020-12-14</a:t>
             </a:fld>
             <a:endParaRPr lang="ko-KR" altLang="en-US"/>
           </a:p>
@@ -660,7 +660,7 @@
           <a:p>
             <a:fld id="{FB30EDBD-1C2D-4C1E-B459-B60219FAB484}" type="datetimeFigureOut">
               <a:rPr lang="ko-KR" altLang="en-US" smtClean="0"/>
-              <a:t>2020-12-13</a:t>
+              <a:t>2020-12-14</a:t>
             </a:fld>
             <a:endParaRPr lang="ko-KR" altLang="en-US"/>
           </a:p>
@@ -823,7 +823,7 @@
           <a:p>
             <a:fld id="{FB30EDBD-1C2D-4C1E-B459-B60219FAB484}" type="datetimeFigureOut">
               <a:rPr lang="ko-KR" altLang="en-US" smtClean="0"/>
-              <a:t>2020-12-13</a:t>
+              <a:t>2020-12-14</a:t>
             </a:fld>
             <a:endParaRPr lang="ko-KR" altLang="en-US"/>
           </a:p>
@@ -996,7 +996,7 @@
           <a:p>
             <a:fld id="{FB30EDBD-1C2D-4C1E-B459-B60219FAB484}" type="datetimeFigureOut">
               <a:rPr lang="ko-KR" altLang="en-US" smtClean="0"/>
-              <a:t>2020-12-13</a:t>
+              <a:t>2020-12-14</a:t>
             </a:fld>
             <a:endParaRPr lang="ko-KR" altLang="en-US"/>
           </a:p>
@@ -1159,7 +1159,7 @@
           <a:p>
             <a:fld id="{FB30EDBD-1C2D-4C1E-B459-B60219FAB484}" type="datetimeFigureOut">
               <a:rPr lang="ko-KR" altLang="en-US" smtClean="0"/>
-              <a:t>2020-12-13</a:t>
+              <a:t>2020-12-14</a:t>
             </a:fld>
             <a:endParaRPr lang="ko-KR" altLang="en-US"/>
           </a:p>
@@ -1399,7 +1399,7 @@
           <a:p>
             <a:fld id="{FB30EDBD-1C2D-4C1E-B459-B60219FAB484}" type="datetimeFigureOut">
               <a:rPr lang="ko-KR" altLang="en-US" smtClean="0"/>
-              <a:t>2020-12-13</a:t>
+              <a:t>2020-12-14</a:t>
             </a:fld>
             <a:endParaRPr lang="ko-KR" altLang="en-US"/>
           </a:p>
@@ -1679,7 +1679,7 @@
           <a:p>
             <a:fld id="{FB30EDBD-1C2D-4C1E-B459-B60219FAB484}" type="datetimeFigureOut">
               <a:rPr lang="ko-KR" altLang="en-US" smtClean="0"/>
-              <a:t>2020-12-13</a:t>
+              <a:t>2020-12-14</a:t>
             </a:fld>
             <a:endParaRPr lang="ko-KR" altLang="en-US"/>
           </a:p>
@@ -2093,7 +2093,7 @@
           <a:p>
             <a:fld id="{FB30EDBD-1C2D-4C1E-B459-B60219FAB484}" type="datetimeFigureOut">
               <a:rPr lang="ko-KR" altLang="en-US" smtClean="0"/>
-              <a:t>2020-12-13</a:t>
+              <a:t>2020-12-14</a:t>
             </a:fld>
             <a:endParaRPr lang="ko-KR" altLang="en-US"/>
           </a:p>
@@ -2205,7 +2205,7 @@
           <a:p>
             <a:fld id="{FB30EDBD-1C2D-4C1E-B459-B60219FAB484}" type="datetimeFigureOut">
               <a:rPr lang="ko-KR" altLang="en-US" smtClean="0"/>
-              <a:t>2020-12-13</a:t>
+              <a:t>2020-12-14</a:t>
             </a:fld>
             <a:endParaRPr lang="ko-KR" altLang="en-US"/>
           </a:p>
@@ -2295,7 +2295,7 @@
           <a:p>
             <a:fld id="{FB30EDBD-1C2D-4C1E-B459-B60219FAB484}" type="datetimeFigureOut">
               <a:rPr lang="ko-KR" altLang="en-US" smtClean="0"/>
-              <a:t>2020-12-13</a:t>
+              <a:t>2020-12-14</a:t>
             </a:fld>
             <a:endParaRPr lang="ko-KR" altLang="en-US"/>
           </a:p>
@@ -2565,7 +2565,7 @@
           <a:p>
             <a:fld id="{FB30EDBD-1C2D-4C1E-B459-B60219FAB484}" type="datetimeFigureOut">
               <a:rPr lang="ko-KR" altLang="en-US" smtClean="0"/>
-              <a:t>2020-12-13</a:t>
+              <a:t>2020-12-14</a:t>
             </a:fld>
             <a:endParaRPr lang="ko-KR" altLang="en-US"/>
           </a:p>
@@ -2812,7 +2812,7 @@
           <a:p>
             <a:fld id="{FB30EDBD-1C2D-4C1E-B459-B60219FAB484}" type="datetimeFigureOut">
               <a:rPr lang="ko-KR" altLang="en-US" smtClean="0"/>
-              <a:t>2020-12-13</a:t>
+              <a:t>2020-12-14</a:t>
             </a:fld>
             <a:endParaRPr lang="ko-KR" altLang="en-US"/>
           </a:p>
@@ -3018,7 +3018,7 @@
           <a:p>
             <a:fld id="{FB30EDBD-1C2D-4C1E-B459-B60219FAB484}" type="datetimeFigureOut">
               <a:rPr lang="ko-KR" altLang="en-US" smtClean="0"/>
-              <a:t>2020-12-13</a:t>
+              <a:t>2020-12-14</a:t>
             </a:fld>
             <a:endParaRPr lang="ko-KR" altLang="en-US"/>
           </a:p>
@@ -4944,8 +4944,8 @@
         </p:nvSpPr>
         <p:spPr>
           <a:xfrm>
-            <a:off x="6952357" y="2224105"/>
-            <a:ext cx="1147375" cy="261610"/>
+            <a:off x="6866040" y="2077910"/>
+            <a:ext cx="1147375" cy="577081"/>
           </a:xfrm>
           <a:prstGeom prst="rect">
             <a:avLst/>
@@ -4957,6 +4957,22 @@
             <a:spAutoFit/>
           </a:bodyPr>
           <a:lstStyle/>
+          <a:p>
+            <a:pPr algn="ctr"/>
+            <a:r>
+              <a:rPr lang="en-US" altLang="ko-KR" sz="1050" b="1">
+                <a:solidFill>
+                  <a:srgbClr val="C00000"/>
+                </a:solidFill>
+              </a:rPr>
+              <a:t>Resolve/UDP</a:t>
+            </a:r>
+            <a:endParaRPr lang="ko-KR" altLang="en-US" sz="1050" b="1">
+              <a:solidFill>
+                <a:srgbClr val="C00000"/>
+              </a:solidFill>
+            </a:endParaRPr>
+          </a:p>
           <a:p>
             <a:pPr algn="ctr"/>
             <a:r>
@@ -4967,6 +4983,9 @@
               </a:rPr>
               <a:t>Resolve/UDP</a:t>
             </a:r>
+          </a:p>
+          <a:p>
+            <a:pPr algn="ctr"/>
             <a:endParaRPr lang="ko-KR" altLang="en-US" sz="1050" b="1">
               <a:solidFill>
                 <a:schemeClr val="tx2"/>
@@ -4989,7 +5008,7 @@
         </p:nvSpPr>
         <p:spPr>
           <a:xfrm>
-            <a:off x="5570158" y="1721943"/>
+            <a:off x="5145557" y="1547114"/>
             <a:ext cx="753908" cy="430887"/>
           </a:xfrm>
           <a:prstGeom prst="rect">
@@ -6861,107 +6880,6 @@
       </p:cxnSp>
       <p:sp>
         <p:nvSpPr>
-          <p:cNvPr id="135" name="TextBox 134">
-            <a:extLst>
-              <a:ext uri="{FF2B5EF4-FFF2-40B4-BE49-F238E27FC236}">
-                <a16:creationId xmlns:a16="http://schemas.microsoft.com/office/drawing/2014/main" id="{64812EE8-ADF8-4D64-9A79-FAA629FCEC74}"/>
-              </a:ext>
-            </a:extLst>
-          </p:cNvPr>
-          <p:cNvSpPr txBox="1"/>
-          <p:nvPr/>
-        </p:nvSpPr>
-        <p:spPr>
-          <a:xfrm>
-            <a:off x="6952357" y="2224105"/>
-            <a:ext cx="1147375" cy="261610"/>
-          </a:xfrm>
-          <a:prstGeom prst="rect">
-            <a:avLst/>
-          </a:prstGeom>
-          <a:noFill/>
-        </p:spPr>
-        <p:txBody>
-          <a:bodyPr wrap="square" rtlCol="0">
-            <a:spAutoFit/>
-          </a:bodyPr>
-          <a:lstStyle/>
-          <a:p>
-            <a:pPr algn="ctr"/>
-            <a:r>
-              <a:rPr lang="en-US" altLang="ko-KR" sz="1050" b="1">
-                <a:solidFill>
-                  <a:schemeClr val="tx2"/>
-                </a:solidFill>
-              </a:rPr>
-              <a:t>Resolve/UDP</a:t>
-            </a:r>
-            <a:endParaRPr lang="ko-KR" altLang="en-US" sz="1050" b="1">
-              <a:solidFill>
-                <a:schemeClr val="tx2"/>
-              </a:solidFill>
-            </a:endParaRPr>
-          </a:p>
-        </p:txBody>
-      </p:sp>
-      <p:sp>
-        <p:nvSpPr>
-          <p:cNvPr id="139" name="TextBox 138">
-            <a:extLst>
-              <a:ext uri="{FF2B5EF4-FFF2-40B4-BE49-F238E27FC236}">
-                <a16:creationId xmlns:a16="http://schemas.microsoft.com/office/drawing/2014/main" id="{0A70251D-3328-4A47-ABA8-CECF356DE344}"/>
-              </a:ext>
-            </a:extLst>
-          </p:cNvPr>
-          <p:cNvSpPr txBox="1"/>
-          <p:nvPr/>
-        </p:nvSpPr>
-        <p:spPr>
-          <a:xfrm>
-            <a:off x="5570158" y="1721943"/>
-            <a:ext cx="753908" cy="430887"/>
-          </a:xfrm>
-          <a:prstGeom prst="rect">
-            <a:avLst/>
-          </a:prstGeom>
-          <a:noFill/>
-        </p:spPr>
-        <p:txBody>
-          <a:bodyPr wrap="square" rtlCol="0">
-            <a:spAutoFit/>
-          </a:bodyPr>
-          <a:lstStyle/>
-          <a:p>
-            <a:pPr algn="ctr"/>
-            <a:r>
-              <a:rPr lang="en-US" altLang="ko-KR" sz="1050" b="1">
-                <a:solidFill>
-                  <a:schemeClr val="tx2"/>
-                </a:solidFill>
-              </a:rPr>
-              <a:t>Resolve</a:t>
-            </a:r>
-          </a:p>
-          <a:p>
-            <a:pPr algn="ctr"/>
-            <a:r>
-              <a:rPr lang="en-US" altLang="ko-KR" sz="1050" b="1">
-                <a:solidFill>
-                  <a:schemeClr val="tx2"/>
-                </a:solidFill>
-              </a:rPr>
-              <a:t>/TCP</a:t>
-            </a:r>
-            <a:endParaRPr lang="ko-KR" altLang="en-US" sz="1050" b="1">
-              <a:solidFill>
-                <a:schemeClr val="tx2"/>
-              </a:solidFill>
-            </a:endParaRPr>
-          </a:p>
-        </p:txBody>
-      </p:sp>
-      <p:sp>
-        <p:nvSpPr>
           <p:cNvPr id="140" name="TextBox 139">
             <a:extLst>
               <a:ext uri="{FF2B5EF4-FFF2-40B4-BE49-F238E27FC236}">
@@ -7213,6 +7131,126 @@
               <a:t>Not Clutser Domain</a:t>
             </a:r>
             <a:endParaRPr lang="ko-KR" altLang="en-US" sz="1050" b="1"/>
+          </a:p>
+        </p:txBody>
+      </p:sp>
+      <p:sp>
+        <p:nvSpPr>
+          <p:cNvPr id="38" name="TextBox 37">
+            <a:extLst>
+              <a:ext uri="{FF2B5EF4-FFF2-40B4-BE49-F238E27FC236}">
+                <a16:creationId xmlns:a16="http://schemas.microsoft.com/office/drawing/2014/main" id="{E7A77218-62DC-40C0-9608-F98412C7558D}"/>
+              </a:ext>
+            </a:extLst>
+          </p:cNvPr>
+          <p:cNvSpPr txBox="1"/>
+          <p:nvPr/>
+        </p:nvSpPr>
+        <p:spPr>
+          <a:xfrm>
+            <a:off x="5145557" y="1547114"/>
+            <a:ext cx="753908" cy="430887"/>
+          </a:xfrm>
+          <a:prstGeom prst="rect">
+            <a:avLst/>
+          </a:prstGeom>
+          <a:noFill/>
+        </p:spPr>
+        <p:txBody>
+          <a:bodyPr wrap="square" rtlCol="0">
+            <a:spAutoFit/>
+          </a:bodyPr>
+          <a:lstStyle/>
+          <a:p>
+            <a:pPr algn="ctr"/>
+            <a:r>
+              <a:rPr lang="en-US" altLang="ko-KR" sz="1050" b="1">
+                <a:solidFill>
+                  <a:schemeClr val="tx2"/>
+                </a:solidFill>
+              </a:rPr>
+              <a:t>Resolve</a:t>
+            </a:r>
+          </a:p>
+          <a:p>
+            <a:pPr algn="ctr"/>
+            <a:r>
+              <a:rPr lang="en-US" altLang="ko-KR" sz="1050" b="1">
+                <a:solidFill>
+                  <a:schemeClr val="tx2"/>
+                </a:solidFill>
+              </a:rPr>
+              <a:t>/TCP</a:t>
+            </a:r>
+            <a:endParaRPr lang="ko-KR" altLang="en-US" sz="1050" b="1">
+              <a:solidFill>
+                <a:schemeClr val="tx2"/>
+              </a:solidFill>
+            </a:endParaRPr>
+          </a:p>
+        </p:txBody>
+      </p:sp>
+      <p:sp>
+        <p:nvSpPr>
+          <p:cNvPr id="39" name="TextBox 38">
+            <a:extLst>
+              <a:ext uri="{FF2B5EF4-FFF2-40B4-BE49-F238E27FC236}">
+                <a16:creationId xmlns:a16="http://schemas.microsoft.com/office/drawing/2014/main" id="{C4FCD4AE-1F14-4832-B18F-A49442D5B8AF}"/>
+              </a:ext>
+            </a:extLst>
+          </p:cNvPr>
+          <p:cNvSpPr txBox="1"/>
+          <p:nvPr/>
+        </p:nvSpPr>
+        <p:spPr>
+          <a:xfrm>
+            <a:off x="6866040" y="2077910"/>
+            <a:ext cx="1147375" cy="577081"/>
+          </a:xfrm>
+          <a:prstGeom prst="rect">
+            <a:avLst/>
+          </a:prstGeom>
+          <a:noFill/>
+        </p:spPr>
+        <p:txBody>
+          <a:bodyPr wrap="square" rtlCol="0">
+            <a:spAutoFit/>
+          </a:bodyPr>
+          <a:lstStyle/>
+          <a:p>
+            <a:pPr algn="ctr"/>
+            <a:r>
+              <a:rPr lang="en-US" altLang="ko-KR" sz="1050" b="1">
+                <a:solidFill>
+                  <a:srgbClr val="C00000"/>
+                </a:solidFill>
+              </a:rPr>
+              <a:t>Resolve/UDP</a:t>
+            </a:r>
+            <a:endParaRPr lang="ko-KR" altLang="en-US" sz="1050" b="1">
+              <a:solidFill>
+                <a:srgbClr val="C00000"/>
+              </a:solidFill>
+            </a:endParaRPr>
+          </a:p>
+          <a:p>
+            <a:pPr algn="ctr"/>
+            <a:r>
+              <a:rPr lang="en-US" altLang="ko-KR" sz="1050" b="1">
+                <a:solidFill>
+                  <a:schemeClr val="tx2"/>
+                </a:solidFill>
+              </a:rPr>
+              <a:t>Resolve/UDP</a:t>
+            </a:r>
+          </a:p>
+          <a:p>
+            <a:pPr algn="ctr"/>
+            <a:endParaRPr lang="ko-KR" altLang="en-US" sz="1050" b="1">
+              <a:solidFill>
+                <a:schemeClr val="tx2"/>
+              </a:solidFill>
+            </a:endParaRPr>
           </a:p>
         </p:txBody>
       </p:sp>
